--- a/presentation/DengL.pptx
+++ b/presentation/DengL.pptx
@@ -646,15 +646,7 @@
           <a:p>
             <a:r>
               <a:rPr lang="en-US" altLang="ko-KR" dirty="0"/>
-              <a:t>Team </a:t>
-            </a:r>
-            <a:r>
-              <a:rPr lang="en-US" altLang="ko-KR" dirty="0" err="1"/>
-              <a:t>WhAI</a:t>
-            </a:r>
-            <a:r>
-              <a:rPr lang="en-US" altLang="ko-KR" dirty="0"/>
-              <a:t> - DengL</a:t>
+              <a:t>Team WhAI - DengL</a:t>
             </a:r>
             <a:endParaRPr lang="ko-KR" altLang="en-US" dirty="0"/>
           </a:p>
@@ -856,15 +848,7 @@
           <a:p>
             <a:r>
               <a:rPr lang="en-US" altLang="ko-KR" dirty="0"/>
-              <a:t>Team </a:t>
-            </a:r>
-            <a:r>
-              <a:rPr lang="en-US" altLang="ko-KR" dirty="0" err="1"/>
-              <a:t>WhAI</a:t>
-            </a:r>
-            <a:r>
-              <a:rPr lang="en-US" altLang="ko-KR" dirty="0"/>
-              <a:t> - DengL</a:t>
+              <a:t>Team WhAI - DengL</a:t>
             </a:r>
             <a:endParaRPr lang="ko-KR" altLang="en-US" dirty="0"/>
           </a:p>
@@ -1076,15 +1060,7 @@
           <a:p>
             <a:r>
               <a:rPr lang="en-US" altLang="ko-KR" dirty="0"/>
-              <a:t>Team </a:t>
-            </a:r>
-            <a:r>
-              <a:rPr lang="en-US" altLang="ko-KR" dirty="0" err="1"/>
-              <a:t>WhAI</a:t>
-            </a:r>
-            <a:r>
-              <a:rPr lang="en-US" altLang="ko-KR" dirty="0"/>
-              <a:t> - DengL</a:t>
+              <a:t>Team WhAI - DengL</a:t>
             </a:r>
             <a:endParaRPr lang="ko-KR" altLang="en-US" dirty="0"/>
           </a:p>
@@ -1286,15 +1262,7 @@
           <a:p>
             <a:r>
               <a:rPr lang="en-US" altLang="ko-KR" dirty="0"/>
-              <a:t>Team </a:t>
-            </a:r>
-            <a:r>
-              <a:rPr lang="en-US" altLang="ko-KR" dirty="0" err="1"/>
-              <a:t>WhAI</a:t>
-            </a:r>
-            <a:r>
-              <a:rPr lang="en-US" altLang="ko-KR" dirty="0"/>
-              <a:t> - DengL</a:t>
+              <a:t>Team WhAI - DengL</a:t>
             </a:r>
             <a:endParaRPr lang="ko-KR" altLang="en-US" dirty="0"/>
           </a:p>
@@ -1573,15 +1541,7 @@
           <a:p>
             <a:r>
               <a:rPr lang="en-US" altLang="ko-KR" dirty="0"/>
-              <a:t>Team </a:t>
-            </a:r>
-            <a:r>
-              <a:rPr lang="en-US" altLang="ko-KR" dirty="0" err="1"/>
-              <a:t>WhAI</a:t>
-            </a:r>
-            <a:r>
-              <a:rPr lang="en-US" altLang="ko-KR" dirty="0"/>
-              <a:t> - DengL</a:t>
+              <a:t>Team WhAI - DengL</a:t>
             </a:r>
             <a:endParaRPr lang="ko-KR" altLang="en-US" dirty="0"/>
           </a:p>
@@ -1850,15 +1810,7 @@
           <a:p>
             <a:r>
               <a:rPr lang="en-US" altLang="ko-KR" dirty="0"/>
-              <a:t>Team </a:t>
-            </a:r>
-            <a:r>
-              <a:rPr lang="en-US" altLang="ko-KR" dirty="0" err="1"/>
-              <a:t>WhAI</a:t>
-            </a:r>
-            <a:r>
-              <a:rPr lang="en-US" altLang="ko-KR" dirty="0"/>
-              <a:t> - DengL</a:t>
+              <a:t>Team WhAI - DengL</a:t>
             </a:r>
             <a:endParaRPr lang="ko-KR" altLang="en-US" dirty="0"/>
           </a:p>
@@ -2274,15 +2226,7 @@
           <a:p>
             <a:r>
               <a:rPr lang="en-US" altLang="ko-KR" dirty="0"/>
-              <a:t>Team </a:t>
-            </a:r>
-            <a:r>
-              <a:rPr lang="en-US" altLang="ko-KR" dirty="0" err="1"/>
-              <a:t>WhAI</a:t>
-            </a:r>
-            <a:r>
-              <a:rPr lang="en-US" altLang="ko-KR" dirty="0"/>
-              <a:t> - DengL</a:t>
+              <a:t>Team WhAI - DengL</a:t>
             </a:r>
             <a:endParaRPr lang="ko-KR" altLang="en-US" dirty="0"/>
           </a:p>
@@ -2427,15 +2371,7 @@
           <a:p>
             <a:r>
               <a:rPr lang="en-US" altLang="ko-KR" dirty="0"/>
-              <a:t>Team </a:t>
-            </a:r>
-            <a:r>
-              <a:rPr lang="en-US" altLang="ko-KR" dirty="0" err="1"/>
-              <a:t>WhAI</a:t>
-            </a:r>
-            <a:r>
-              <a:rPr lang="en-US" altLang="ko-KR" dirty="0"/>
-              <a:t> - DengL</a:t>
+              <a:t>Team WhAI - DengL</a:t>
             </a:r>
             <a:endParaRPr lang="ko-KR" altLang="en-US" dirty="0"/>
           </a:p>
@@ -2552,15 +2488,7 @@
           <a:p>
             <a:r>
               <a:rPr lang="en-US" altLang="ko-KR" dirty="0"/>
-              <a:t>Team </a:t>
-            </a:r>
-            <a:r>
-              <a:rPr lang="en-US" altLang="ko-KR" dirty="0" err="1"/>
-              <a:t>WhAI</a:t>
-            </a:r>
-            <a:r>
-              <a:rPr lang="en-US" altLang="ko-KR" dirty="0"/>
-              <a:t> - DengL</a:t>
+              <a:t>Team WhAI - DengL</a:t>
             </a:r>
             <a:endParaRPr lang="ko-KR" altLang="en-US" dirty="0"/>
           </a:p>
@@ -2875,15 +2803,7 @@
           <a:p>
             <a:r>
               <a:rPr lang="en-US" altLang="ko-KR" dirty="0"/>
-              <a:t>Team </a:t>
-            </a:r>
-            <a:r>
-              <a:rPr lang="en-US" altLang="ko-KR" dirty="0" err="1"/>
-              <a:t>WhAI</a:t>
-            </a:r>
-            <a:r>
-              <a:rPr lang="en-US" altLang="ko-KR" dirty="0"/>
-              <a:t> - DengL</a:t>
+              <a:t>Team WhAI - DengL</a:t>
             </a:r>
             <a:endParaRPr lang="ko-KR" altLang="en-US" dirty="0"/>
           </a:p>
@@ -3175,15 +3095,7 @@
           <a:p>
             <a:r>
               <a:rPr lang="en-US" altLang="ko-KR" dirty="0"/>
-              <a:t>Team </a:t>
-            </a:r>
-            <a:r>
-              <a:rPr lang="en-US" altLang="ko-KR" dirty="0" err="1"/>
-              <a:t>WhAI</a:t>
-            </a:r>
-            <a:r>
-              <a:rPr lang="en-US" altLang="ko-KR" dirty="0"/>
-              <a:t> - DengL</a:t>
+              <a:t>Team WhAI - DengL</a:t>
             </a:r>
             <a:endParaRPr lang="ko-KR" altLang="en-US" dirty="0"/>
           </a:p>
@@ -3449,15 +3361,7 @@
           <a:p>
             <a:r>
               <a:rPr lang="en-US" altLang="ko-KR" dirty="0"/>
-              <a:t>Team </a:t>
-            </a:r>
-            <a:r>
-              <a:rPr lang="en-US" altLang="ko-KR" dirty="0" err="1"/>
-              <a:t>WhAI</a:t>
-            </a:r>
-            <a:r>
-              <a:rPr lang="en-US" altLang="ko-KR" dirty="0"/>
-              <a:t> - DengL</a:t>
+              <a:t>Team WhAI - DengL</a:t>
             </a:r>
             <a:endParaRPr lang="ko-KR" altLang="en-US" dirty="0"/>
           </a:p>
@@ -4159,29 +4063,7 @@
                   </a:schemeClr>
                 </a:solidFill>
               </a:rPr>
-              <a:t>Team </a:t>
-            </a:r>
-            <a:r>
-              <a:rPr lang="en-US" altLang="ko-KR" b="1" dirty="0" err="1">
-                <a:solidFill>
-                  <a:schemeClr val="tx1">
-                    <a:lumMod val="85000"/>
-                    <a:lumOff val="15000"/>
-                  </a:schemeClr>
-                </a:solidFill>
-              </a:rPr>
-              <a:t>whAI</a:t>
-            </a:r>
-            <a:r>
-              <a:rPr lang="en-US" altLang="ko-KR" b="1" dirty="0">
-                <a:solidFill>
-                  <a:schemeClr val="tx1">
-                    <a:lumMod val="85000"/>
-                    <a:lumOff val="15000"/>
-                  </a:schemeClr>
-                </a:solidFill>
-              </a:rPr>
-              <a:t>  | Felix Bastian, Lukas Mahr, You Sun Song, Felix Waiblinger</a:t>
+              <a:t>Team whAI  | Felix Bastian, Lukas Mahr, You Sun Song, Felix Waiblinger</a:t>
             </a:r>
             <a:endParaRPr lang="ko-KR" altLang="en-US" b="1" dirty="0">
               <a:solidFill>
@@ -4231,40 +4113,7 @@
                   </a:schemeClr>
                 </a:solidFill>
               </a:rPr>
-              <a:t>TUM.ai </a:t>
-            </a:r>
-            <a:r>
-              <a:rPr lang="en-US" altLang="ko-KR" b="1" dirty="0" err="1">
-                <a:solidFill>
-                  <a:schemeClr val="tx1">
-                    <a:lumMod val="85000"/>
-                    <a:lumOff val="15000"/>
-                  </a:schemeClr>
-                </a:solidFill>
-              </a:rPr>
-              <a:t>Makeathon</a:t>
-            </a:r>
-            <a:r>
-              <a:rPr lang="en-US" altLang="ko-KR" b="1" dirty="0">
-                <a:solidFill>
-                  <a:schemeClr val="tx1">
-                    <a:lumMod val="85000"/>
-                    <a:lumOff val="15000"/>
-                  </a:schemeClr>
-                </a:solidFill>
-              </a:rPr>
-              <a:t> 2023 Challenge  |  Bridge the Gap from </a:t>
-            </a:r>
-            <a:r>
-              <a:rPr lang="en-US" altLang="ko-KR" b="1" dirty="0" err="1">
-                <a:solidFill>
-                  <a:schemeClr val="tx1">
-                    <a:lumMod val="85000"/>
-                    <a:lumOff val="15000"/>
-                  </a:schemeClr>
-                </a:solidFill>
-              </a:rPr>
-              <a:t>Knowron</a:t>
+              <a:t>TUM.ai Makeathon 2023 Challenge  |  Bridge the Gap from Knowron</a:t>
             </a:r>
             <a:endParaRPr lang="ko-KR" altLang="en-US" b="1" dirty="0">
               <a:solidFill>
@@ -5009,15 +4858,7 @@
           <a:p>
             <a:r>
               <a:rPr lang="en-US" altLang="ko-KR" dirty="0"/>
-              <a:t>Team </a:t>
-            </a:r>
-            <a:r>
-              <a:rPr lang="en-US" altLang="ko-KR" dirty="0" err="1"/>
-              <a:t>WhAI</a:t>
-            </a:r>
-            <a:r>
-              <a:rPr lang="en-US" altLang="ko-KR" dirty="0"/>
-              <a:t> - DengL</a:t>
+              <a:t>Team whAI - DengL</a:t>
             </a:r>
             <a:endParaRPr lang="ko-KR" altLang="en-US" dirty="0"/>
           </a:p>
@@ -5872,25 +5713,7 @@
                 </a:solidFill>
                 <a:effectLst/>
               </a:rPr>
-              <a:t>Administrative </a:t>
-            </a:r>
-            <a:r>
-              <a:rPr lang="de-DE" altLang="ko-KR" dirty="0" err="1">
-                <a:solidFill>
-                  <a:schemeClr val="bg1"/>
-                </a:solidFill>
-                <a:effectLst/>
-              </a:rPr>
-              <a:t>burden</a:t>
-            </a:r>
-            <a:r>
-              <a:rPr lang="de-DE" altLang="ko-KR" dirty="0">
-                <a:solidFill>
-                  <a:schemeClr val="bg1"/>
-                </a:solidFill>
-                <a:effectLst/>
-              </a:rPr>
-              <a:t> </a:t>
+              <a:t>Administrative burden </a:t>
             </a:r>
             <a:endParaRPr lang="ko-KR" altLang="en-US" dirty="0">
               <a:solidFill>
@@ -6346,15 +6169,7 @@
           <a:p>
             <a:r>
               <a:rPr lang="en-US" altLang="ko-KR" dirty="0"/>
-              <a:t>Team </a:t>
-            </a:r>
-            <a:r>
-              <a:rPr lang="en-US" altLang="ko-KR" dirty="0" err="1"/>
-              <a:t>WhAI</a:t>
-            </a:r>
-            <a:r>
-              <a:rPr lang="en-US" altLang="ko-KR" dirty="0"/>
-              <a:t> - DengL</a:t>
+              <a:t>Team whAI - DengL</a:t>
             </a:r>
             <a:endParaRPr lang="ko-KR" altLang="en-US" dirty="0"/>
           </a:p>
@@ -7266,15 +7081,7 @@
           <a:p>
             <a:r>
               <a:rPr lang="en-US" altLang="ko-KR" dirty="0"/>
-              <a:t>Team </a:t>
-            </a:r>
-            <a:r>
-              <a:rPr lang="en-US" altLang="ko-KR" dirty="0" err="1"/>
-              <a:t>WhAI</a:t>
-            </a:r>
-            <a:r>
-              <a:rPr lang="en-US" altLang="ko-KR" dirty="0"/>
-              <a:t> - DengL</a:t>
+              <a:t>Team whAI - DengL</a:t>
             </a:r>
             <a:endParaRPr lang="ko-KR" altLang="en-US" dirty="0"/>
           </a:p>
@@ -7976,15 +7783,7 @@
           <a:p>
             <a:r>
               <a:rPr lang="en-US" altLang="ko-KR" dirty="0"/>
-              <a:t>Team </a:t>
-            </a:r>
-            <a:r>
-              <a:rPr lang="en-US" altLang="ko-KR" dirty="0" err="1"/>
-              <a:t>WhAI</a:t>
-            </a:r>
-            <a:r>
-              <a:rPr lang="en-US" altLang="ko-KR" dirty="0"/>
-              <a:t> - DengL</a:t>
+              <a:t>Team whAI - DengL</a:t>
             </a:r>
             <a:endParaRPr lang="ko-KR" altLang="en-US" dirty="0"/>
           </a:p>
@@ -8021,13 +7820,8 @@
             <a:pPr algn="ctr"/>
             <a:r>
               <a:rPr lang="de-DE" altLang="ko-KR" sz="2400" b="1" dirty="0"/>
-              <a:t>Microsoft Azure </a:t>
-            </a:r>
-            <a:r>
-              <a:rPr lang="de-DE" altLang="ko-KR" sz="2400" b="1" dirty="0" err="1"/>
-              <a:t>Platform</a:t>
-            </a:r>
-            <a:endParaRPr lang="de-DE" altLang="ko-KR" sz="2400" b="1" dirty="0"/>
+              <a:t>Microsoft Azure Platform</a:t>
+            </a:r>
           </a:p>
         </p:txBody>
       </p:sp>
@@ -8808,7 +8602,7 @@
           <a:lstStyle/>
           <a:p>
             <a:r>
-              <a:rPr lang="en-US" altLang="ko-KR" dirty="0"/>
+              <a:rPr lang="en-US" altLang="ko-KR" dirty="0" err="1"/>
               <a:t>DengL</a:t>
             </a:r>
             <a:endParaRPr lang="ko-KR" altLang="en-US" dirty="0"/>
@@ -8937,15 +8731,7 @@
           <a:p>
             <a:r>
               <a:rPr lang="en-US" altLang="ko-KR" dirty="0"/>
-              <a:t>Team </a:t>
-            </a:r>
-            <a:r>
-              <a:rPr lang="en-US" altLang="ko-KR" dirty="0" err="1"/>
-              <a:t>WhAI</a:t>
-            </a:r>
-            <a:r>
-              <a:rPr lang="en-US" altLang="ko-KR" dirty="0"/>
-              <a:t> - DengL</a:t>
+              <a:t>Team whAI - DengL</a:t>
             </a:r>
             <a:endParaRPr lang="ko-KR" altLang="en-US" dirty="0"/>
           </a:p>
@@ -8990,6 +8776,332 @@
   <p:clrMapOvr>
     <a:masterClrMapping/>
   </p:clrMapOvr>
+  <p:timing>
+    <p:tnLst>
+      <p:par>
+        <p:cTn id="1" dur="indefinite" restart="never" nodeType="tmRoot">
+          <p:childTnLst>
+            <p:seq concurrent="1" nextAc="seek">
+              <p:cTn id="2" dur="indefinite" nodeType="mainSeq">
+                <p:childTnLst>
+                  <p:par>
+                    <p:cTn id="3" fill="hold">
+                      <p:stCondLst>
+                        <p:cond delay="indefinite"/>
+                      </p:stCondLst>
+                      <p:childTnLst>
+                        <p:par>
+                          <p:cTn id="4" fill="hold">
+                            <p:stCondLst>
+                              <p:cond delay="0"/>
+                            </p:stCondLst>
+                            <p:childTnLst>
+                              <p:par>
+                                <p:cTn id="5" presetID="26" presetClass="entr" presetSubtype="0" fill="hold" nodeType="clickEffect">
+                                  <p:stCondLst>
+                                    <p:cond delay="0"/>
+                                  </p:stCondLst>
+                                  <p:childTnLst>
+                                    <p:set>
+                                      <p:cBhvr>
+                                        <p:cTn id="6" dur="1" fill="hold">
+                                          <p:stCondLst>
+                                            <p:cond delay="0"/>
+                                          </p:stCondLst>
+                                        </p:cTn>
+                                        <p:tgtEl>
+                                          <p:spTgt spid="12"/>
+                                        </p:tgtEl>
+                                        <p:attrNameLst>
+                                          <p:attrName>style.visibility</p:attrName>
+                                        </p:attrNameLst>
+                                      </p:cBhvr>
+                                      <p:to>
+                                        <p:strVal val="visible"/>
+                                      </p:to>
+                                    </p:set>
+                                    <p:animEffect transition="in" filter="wipe(down)">
+                                      <p:cBhvr>
+                                        <p:cTn id="7" dur="580">
+                                          <p:stCondLst>
+                                            <p:cond delay="0"/>
+                                          </p:stCondLst>
+                                        </p:cTn>
+                                        <p:tgtEl>
+                                          <p:spTgt spid="12"/>
+                                        </p:tgtEl>
+                                      </p:cBhvr>
+                                    </p:animEffect>
+                                    <p:anim calcmode="lin" valueType="num">
+                                      <p:cBhvr>
+                                        <p:cTn id="8" dur="1822" tmFilter="0,0; 0.14,0.36; 0.43,0.73; 0.71,0.91; 1.0,1.0">
+                                          <p:stCondLst>
+                                            <p:cond delay="0"/>
+                                          </p:stCondLst>
+                                        </p:cTn>
+                                        <p:tgtEl>
+                                          <p:spTgt spid="12"/>
+                                        </p:tgtEl>
+                                        <p:attrNameLst>
+                                          <p:attrName>ppt_x</p:attrName>
+                                        </p:attrNameLst>
+                                      </p:cBhvr>
+                                      <p:tavLst>
+                                        <p:tav tm="0">
+                                          <p:val>
+                                            <p:strVal val="#ppt_x-0.25"/>
+                                          </p:val>
+                                        </p:tav>
+                                        <p:tav tm="100000">
+                                          <p:val>
+                                            <p:strVal val="#ppt_x"/>
+                                          </p:val>
+                                        </p:tav>
+                                      </p:tavLst>
+                                    </p:anim>
+                                    <p:anim calcmode="lin" valueType="num">
+                                      <p:cBhvr>
+                                        <p:cTn id="9" dur="664" tmFilter="0.0,0.0; 0.25,0.07; 0.50,0.2; 0.75,0.467; 1.0,1.0">
+                                          <p:stCondLst>
+                                            <p:cond delay="0"/>
+                                          </p:stCondLst>
+                                        </p:cTn>
+                                        <p:tgtEl>
+                                          <p:spTgt spid="12"/>
+                                        </p:tgtEl>
+                                        <p:attrNameLst>
+                                          <p:attrName>ppt_y</p:attrName>
+                                        </p:attrNameLst>
+                                      </p:cBhvr>
+                                      <p:tavLst>
+                                        <p:tav tm="0" fmla="#ppt_y-sin(pi*$)/3">
+                                          <p:val>
+                                            <p:fltVal val="0.5"/>
+                                          </p:val>
+                                        </p:tav>
+                                        <p:tav tm="100000">
+                                          <p:val>
+                                            <p:fltVal val="1"/>
+                                          </p:val>
+                                        </p:tav>
+                                      </p:tavLst>
+                                    </p:anim>
+                                    <p:anim calcmode="lin" valueType="num">
+                                      <p:cBhvr>
+                                        <p:cTn id="10" dur="664" tmFilter="0, 0; 0.125,0.2665; 0.25,0.4; 0.375,0.465; 0.5,0.5;  0.625,0.535; 0.75,0.6; 0.875,0.7335; 1,1">
+                                          <p:stCondLst>
+                                            <p:cond delay="664"/>
+                                          </p:stCondLst>
+                                        </p:cTn>
+                                        <p:tgtEl>
+                                          <p:spTgt spid="12"/>
+                                        </p:tgtEl>
+                                        <p:attrNameLst>
+                                          <p:attrName>ppt_y</p:attrName>
+                                        </p:attrNameLst>
+                                      </p:cBhvr>
+                                      <p:tavLst>
+                                        <p:tav tm="0" fmla="#ppt_y-sin(pi*$)/9">
+                                          <p:val>
+                                            <p:fltVal val="0"/>
+                                          </p:val>
+                                        </p:tav>
+                                        <p:tav tm="100000">
+                                          <p:val>
+                                            <p:fltVal val="1"/>
+                                          </p:val>
+                                        </p:tav>
+                                      </p:tavLst>
+                                    </p:anim>
+                                    <p:anim calcmode="lin" valueType="num">
+                                      <p:cBhvr>
+                                        <p:cTn id="11" dur="332" tmFilter="0, 0; 0.125,0.2665; 0.25,0.4; 0.375,0.465; 0.5,0.5;  0.625,0.535; 0.75,0.6; 0.875,0.7335; 1,1">
+                                          <p:stCondLst>
+                                            <p:cond delay="1324"/>
+                                          </p:stCondLst>
+                                        </p:cTn>
+                                        <p:tgtEl>
+                                          <p:spTgt spid="12"/>
+                                        </p:tgtEl>
+                                        <p:attrNameLst>
+                                          <p:attrName>ppt_y</p:attrName>
+                                        </p:attrNameLst>
+                                      </p:cBhvr>
+                                      <p:tavLst>
+                                        <p:tav tm="0" fmla="#ppt_y-sin(pi*$)/27">
+                                          <p:val>
+                                            <p:fltVal val="0"/>
+                                          </p:val>
+                                        </p:tav>
+                                        <p:tav tm="100000">
+                                          <p:val>
+                                            <p:fltVal val="1"/>
+                                          </p:val>
+                                        </p:tav>
+                                      </p:tavLst>
+                                    </p:anim>
+                                    <p:anim calcmode="lin" valueType="num">
+                                      <p:cBhvr>
+                                        <p:cTn id="12" dur="164" tmFilter="0, 0; 0.125,0.2665; 0.25,0.4; 0.375,0.465; 0.5,0.5;  0.625,0.535; 0.75,0.6; 0.875,0.7335; 1,1">
+                                          <p:stCondLst>
+                                            <p:cond delay="1656"/>
+                                          </p:stCondLst>
+                                        </p:cTn>
+                                        <p:tgtEl>
+                                          <p:spTgt spid="12"/>
+                                        </p:tgtEl>
+                                        <p:attrNameLst>
+                                          <p:attrName>ppt_y</p:attrName>
+                                        </p:attrNameLst>
+                                      </p:cBhvr>
+                                      <p:tavLst>
+                                        <p:tav tm="0" fmla="#ppt_y-sin(pi*$)/81">
+                                          <p:val>
+                                            <p:fltVal val="0"/>
+                                          </p:val>
+                                        </p:tav>
+                                        <p:tav tm="100000">
+                                          <p:val>
+                                            <p:fltVal val="1"/>
+                                          </p:val>
+                                        </p:tav>
+                                      </p:tavLst>
+                                    </p:anim>
+                                    <p:animScale>
+                                      <p:cBhvr>
+                                        <p:cTn id="13" dur="26">
+                                          <p:stCondLst>
+                                            <p:cond delay="650"/>
+                                          </p:stCondLst>
+                                        </p:cTn>
+                                        <p:tgtEl>
+                                          <p:spTgt spid="12"/>
+                                        </p:tgtEl>
+                                      </p:cBhvr>
+                                      <p:to x="100000" y="60000"/>
+                                    </p:animScale>
+                                    <p:animScale>
+                                      <p:cBhvr>
+                                        <p:cTn id="14" dur="166" decel="50000">
+                                          <p:stCondLst>
+                                            <p:cond delay="676"/>
+                                          </p:stCondLst>
+                                        </p:cTn>
+                                        <p:tgtEl>
+                                          <p:spTgt spid="12"/>
+                                        </p:tgtEl>
+                                      </p:cBhvr>
+                                      <p:to x="100000" y="100000"/>
+                                    </p:animScale>
+                                    <p:animScale>
+                                      <p:cBhvr>
+                                        <p:cTn id="15" dur="26">
+                                          <p:stCondLst>
+                                            <p:cond delay="1312"/>
+                                          </p:stCondLst>
+                                        </p:cTn>
+                                        <p:tgtEl>
+                                          <p:spTgt spid="12"/>
+                                        </p:tgtEl>
+                                      </p:cBhvr>
+                                      <p:to x="100000" y="80000"/>
+                                    </p:animScale>
+                                    <p:animScale>
+                                      <p:cBhvr>
+                                        <p:cTn id="16" dur="166" decel="50000">
+                                          <p:stCondLst>
+                                            <p:cond delay="1338"/>
+                                          </p:stCondLst>
+                                        </p:cTn>
+                                        <p:tgtEl>
+                                          <p:spTgt spid="12"/>
+                                        </p:tgtEl>
+                                      </p:cBhvr>
+                                      <p:to x="100000" y="100000"/>
+                                    </p:animScale>
+                                    <p:animScale>
+                                      <p:cBhvr>
+                                        <p:cTn id="17" dur="26">
+                                          <p:stCondLst>
+                                            <p:cond delay="1642"/>
+                                          </p:stCondLst>
+                                        </p:cTn>
+                                        <p:tgtEl>
+                                          <p:spTgt spid="12"/>
+                                        </p:tgtEl>
+                                      </p:cBhvr>
+                                      <p:to x="100000" y="90000"/>
+                                    </p:animScale>
+                                    <p:animScale>
+                                      <p:cBhvr>
+                                        <p:cTn id="18" dur="166" decel="50000">
+                                          <p:stCondLst>
+                                            <p:cond delay="1668"/>
+                                          </p:stCondLst>
+                                        </p:cTn>
+                                        <p:tgtEl>
+                                          <p:spTgt spid="12"/>
+                                        </p:tgtEl>
+                                      </p:cBhvr>
+                                      <p:to x="100000" y="100000"/>
+                                    </p:animScale>
+                                    <p:animScale>
+                                      <p:cBhvr>
+                                        <p:cTn id="19" dur="26">
+                                          <p:stCondLst>
+                                            <p:cond delay="1808"/>
+                                          </p:stCondLst>
+                                        </p:cTn>
+                                        <p:tgtEl>
+                                          <p:spTgt spid="12"/>
+                                        </p:tgtEl>
+                                      </p:cBhvr>
+                                      <p:to x="100000" y="95000"/>
+                                    </p:animScale>
+                                    <p:animScale>
+                                      <p:cBhvr>
+                                        <p:cTn id="20" dur="166" decel="50000">
+                                          <p:stCondLst>
+                                            <p:cond delay="1834"/>
+                                          </p:stCondLst>
+                                        </p:cTn>
+                                        <p:tgtEl>
+                                          <p:spTgt spid="12"/>
+                                        </p:tgtEl>
+                                      </p:cBhvr>
+                                      <p:to x="100000" y="100000"/>
+                                    </p:animScale>
+                                  </p:childTnLst>
+                                </p:cTn>
+                              </p:par>
+                            </p:childTnLst>
+                          </p:cTn>
+                        </p:par>
+                      </p:childTnLst>
+                    </p:cTn>
+                  </p:par>
+                </p:childTnLst>
+              </p:cTn>
+              <p:prevCondLst>
+                <p:cond evt="onPrev" delay="0">
+                  <p:tgtEl>
+                    <p:sldTgt/>
+                  </p:tgtEl>
+                </p:cond>
+              </p:prevCondLst>
+              <p:nextCondLst>
+                <p:cond evt="onNext" delay="0">
+                  <p:tgtEl>
+                    <p:sldTgt/>
+                  </p:tgtEl>
+                </p:cond>
+              </p:nextCondLst>
+            </p:seq>
+          </p:childTnLst>
+        </p:cTn>
+      </p:par>
+    </p:tnLst>
+  </p:timing>
 </p:sld>
 </file>
 
@@ -9280,15 +9392,7 @@
           <a:p>
             <a:r>
               <a:rPr lang="en-US" altLang="ko-KR" dirty="0"/>
-              <a:t>Team </a:t>
-            </a:r>
-            <a:r>
-              <a:rPr lang="en-US" altLang="ko-KR" dirty="0" err="1"/>
-              <a:t>WhAI</a:t>
-            </a:r>
-            <a:r>
-              <a:rPr lang="en-US" altLang="ko-KR" dirty="0"/>
-              <a:t> - DengL</a:t>
+              <a:t>Team whAI - DengL</a:t>
             </a:r>
             <a:endParaRPr lang="ko-KR" altLang="en-US" dirty="0"/>
           </a:p>
@@ -9390,50 +9494,13 @@
           <a:p>
             <a:pPr algn="ctr"/>
             <a:r>
-              <a:rPr lang="de-DE" altLang="ko-KR" sz="2000" b="1" dirty="0" err="1">
-                <a:solidFill>
-                  <a:schemeClr val="bg1"/>
-                </a:solidFill>
-              </a:rPr>
-              <a:t>Increase</a:t>
-            </a:r>
-            <a:r>
               <a:rPr lang="de-DE" altLang="ko-KR" sz="2000" b="1" dirty="0">
                 <a:solidFill>
                   <a:schemeClr val="bg1"/>
                 </a:solidFill>
               </a:rPr>
-              <a:t> in </a:t>
-            </a:r>
-            <a:r>
-              <a:rPr lang="de-DE" altLang="ko-KR" sz="2000" b="1" dirty="0" err="1">
-                <a:solidFill>
-                  <a:schemeClr val="bg1"/>
-                </a:solidFill>
-              </a:rPr>
-              <a:t>skilled</a:t>
-            </a:r>
-            <a:r>
-              <a:rPr lang="de-DE" altLang="ko-KR" sz="2000" b="1" dirty="0">
-                <a:solidFill>
-                  <a:schemeClr val="bg1"/>
-                </a:solidFill>
-              </a:rPr>
-              <a:t> </a:t>
-            </a:r>
-            <a:r>
-              <a:rPr lang="de-DE" altLang="ko-KR" sz="2000" b="1" dirty="0" err="1">
-                <a:solidFill>
-                  <a:schemeClr val="bg1"/>
-                </a:solidFill>
-              </a:rPr>
-              <a:t>workers</a:t>
-            </a:r>
-            <a:endParaRPr lang="de-DE" altLang="ko-KR" sz="2000" b="1" dirty="0">
-              <a:solidFill>
-                <a:schemeClr val="bg1"/>
-              </a:solidFill>
-            </a:endParaRPr>
+              <a:t>Increase in skilled workers</a:t>
+            </a:r>
           </a:p>
           <a:p>
             <a:pPr algn="ctr"/>
@@ -9454,34 +9521,13 @@
           <a:p>
             <a:pPr algn="ctr"/>
             <a:r>
-              <a:rPr lang="de-DE" altLang="ko-KR" sz="2000" b="1" dirty="0" err="1">
-                <a:solidFill>
-                  <a:schemeClr val="bg1"/>
-                </a:solidFill>
-              </a:rPr>
-              <a:t>Economic</a:t>
-            </a:r>
-            <a:r>
               <a:rPr lang="de-DE" altLang="ko-KR" sz="2000" b="1" dirty="0">
                 <a:solidFill>
                   <a:schemeClr val="bg1"/>
                 </a:solidFill>
               </a:rPr>
-              <a:t> </a:t>
-            </a:r>
-            <a:r>
-              <a:rPr lang="de-DE" altLang="ko-KR" sz="2000" b="1" dirty="0" err="1">
-                <a:solidFill>
-                  <a:schemeClr val="bg1"/>
-                </a:solidFill>
-              </a:rPr>
-              <a:t>growth</a:t>
-            </a:r>
-            <a:endParaRPr lang="de-DE" altLang="ko-KR" sz="2000" b="1" dirty="0">
-              <a:solidFill>
-                <a:schemeClr val="bg1"/>
-              </a:solidFill>
-            </a:endParaRPr>
+              <a:t>Economic growth</a:t>
+            </a:r>
           </a:p>
         </p:txBody>
       </p:sp>
@@ -9515,52 +9561,12 @@
           <a:p>
             <a:pPr algn="ctr"/>
             <a:r>
-              <a:rPr lang="de-DE" altLang="ko-KR" sz="2000" b="1" dirty="0" err="1">
-                <a:solidFill>
-                  <a:schemeClr val="bg1"/>
-                </a:solidFill>
-              </a:rPr>
-              <a:t>Lowering</a:t>
-            </a:r>
-            <a:r>
               <a:rPr lang="de-DE" altLang="ko-KR" sz="2000" b="1" dirty="0">
                 <a:solidFill>
                   <a:schemeClr val="bg1"/>
                 </a:solidFill>
               </a:rPr>
-              <a:t> </a:t>
-            </a:r>
-            <a:r>
-              <a:rPr lang="de-DE" altLang="ko-KR" sz="2000" b="1" dirty="0" err="1">
-                <a:solidFill>
-                  <a:schemeClr val="bg1"/>
-                </a:solidFill>
-              </a:rPr>
-              <a:t>language</a:t>
-            </a:r>
-            <a:r>
-              <a:rPr lang="de-DE" altLang="ko-KR" sz="2000" b="1" dirty="0">
-                <a:solidFill>
-                  <a:schemeClr val="bg1"/>
-                </a:solidFill>
-              </a:rPr>
-              <a:t> </a:t>
-            </a:r>
-            <a:r>
-              <a:rPr lang="de-DE" altLang="ko-KR" sz="2000" b="1" dirty="0" err="1">
-                <a:solidFill>
-                  <a:schemeClr val="bg1"/>
-                </a:solidFill>
-              </a:rPr>
-              <a:t>hurdles</a:t>
-            </a:r>
-            <a:r>
-              <a:rPr lang="de-DE" altLang="ko-KR" sz="2000" b="1" dirty="0">
-                <a:solidFill>
-                  <a:schemeClr val="bg1"/>
-                </a:solidFill>
-              </a:rPr>
-              <a:t> </a:t>
+              <a:t>Lowering language hurdles </a:t>
             </a:r>
           </a:p>
           <a:p>
@@ -9582,66 +9588,13 @@
           <a:p>
             <a:pPr algn="ctr"/>
             <a:r>
-              <a:rPr lang="de-DE" altLang="ko-KR" sz="2000" b="1" dirty="0" err="1">
-                <a:solidFill>
-                  <a:schemeClr val="bg1"/>
-                </a:solidFill>
-              </a:rPr>
-              <a:t>Reducing</a:t>
-            </a:r>
-            <a:r>
               <a:rPr lang="de-DE" altLang="ko-KR" sz="2000" b="1" dirty="0">
                 <a:solidFill>
                   <a:schemeClr val="bg1"/>
                 </a:solidFill>
               </a:rPr>
-              <a:t> </a:t>
-            </a:r>
-            <a:r>
-              <a:rPr lang="de-DE" altLang="ko-KR" sz="2000" b="1" dirty="0" err="1">
-                <a:solidFill>
-                  <a:schemeClr val="bg1"/>
-                </a:solidFill>
-              </a:rPr>
-              <a:t>bureaucratic</a:t>
-            </a:r>
-            <a:r>
-              <a:rPr lang="de-DE" altLang="ko-KR" sz="2000" b="1" dirty="0">
-                <a:solidFill>
-                  <a:schemeClr val="bg1"/>
-                </a:solidFill>
-              </a:rPr>
-              <a:t> </a:t>
-            </a:r>
-            <a:r>
-              <a:rPr lang="de-DE" altLang="ko-KR" sz="2000" b="1" dirty="0" err="1">
-                <a:solidFill>
-                  <a:schemeClr val="bg1"/>
-                </a:solidFill>
-              </a:rPr>
-              <a:t>efforts</a:t>
-            </a:r>
-            <a:r>
-              <a:rPr lang="de-DE" altLang="ko-KR" sz="2000" b="1" dirty="0">
-                <a:solidFill>
-                  <a:schemeClr val="bg1"/>
-                </a:solidFill>
-              </a:rPr>
-              <a:t> at </a:t>
-            </a:r>
-            <a:r>
-              <a:rPr lang="de-DE" altLang="ko-KR" sz="2000" b="1" dirty="0" err="1">
-                <a:solidFill>
-                  <a:schemeClr val="bg1"/>
-                </a:solidFill>
-              </a:rPr>
-              <a:t>work</a:t>
-            </a:r>
-            <a:endParaRPr lang="de-DE" altLang="ko-KR" sz="2000" b="1" dirty="0">
-              <a:solidFill>
-                <a:schemeClr val="bg1"/>
-              </a:solidFill>
-            </a:endParaRPr>
+              <a:t>Reducing bureaucratic efforts at work</a:t>
+            </a:r>
           </a:p>
         </p:txBody>
       </p:sp>
